--- a/doc/Secure_in_the_Cloud_with_the_AGW.pptx
+++ b/doc/Secure_in_the_Cloud_with_the_AGW.pptx
@@ -6999,7 +6999,7 @@
           <a:p>
             <a:fld id="{98CE43A3-0E69-4028-B5CB-BD1961E9F3EB}" type="datetimeFigureOut">
               <a:rPr lang="de-CH" smtClean="0"/>
-              <a:t>15.12.2022</a:t>
+              <a:t>16.12.2022</a:t>
             </a:fld>
             <a:endParaRPr lang="de-CH"/>
           </a:p>
@@ -7939,7 +7939,7 @@
           <a:p>
             <a:fld id="{A1E45834-53BD-4C8F-B791-CD5378F4150E}" type="datetimeFigureOut">
               <a:rPr lang="en-US" smtClean="0"/>
-              <a:t>12/15/2022</a:t>
+              <a:t>12/16/2022</a:t>
             </a:fld>
             <a:endParaRPr lang="en-US"/>
           </a:p>
@@ -8137,7 +8137,7 @@
           <a:p>
             <a:fld id="{A1E45834-53BD-4C8F-B791-CD5378F4150E}" type="datetimeFigureOut">
               <a:rPr lang="en-US" smtClean="0"/>
-              <a:t>12/15/2022</a:t>
+              <a:t>12/16/2022</a:t>
             </a:fld>
             <a:endParaRPr lang="en-US"/>
           </a:p>
@@ -8345,7 +8345,7 @@
           <a:p>
             <a:fld id="{A1E45834-53BD-4C8F-B791-CD5378F4150E}" type="datetimeFigureOut">
               <a:rPr lang="en-US" smtClean="0"/>
-              <a:t>12/15/2022</a:t>
+              <a:t>12/16/2022</a:t>
             </a:fld>
             <a:endParaRPr lang="en-US"/>
           </a:p>
@@ -8586,7 +8586,7 @@
           <a:p>
             <a:fld id="{A1E45834-53BD-4C8F-B791-CD5378F4150E}" type="datetimeFigureOut">
               <a:rPr lang="en-US" smtClean="0"/>
-              <a:t>12/15/2022</a:t>
+              <a:t>12/16/2022</a:t>
             </a:fld>
             <a:endParaRPr lang="en-US"/>
           </a:p>
@@ -8864,7 +8864,7 @@
           <a:p>
             <a:fld id="{A1E45834-53BD-4C8F-B791-CD5378F4150E}" type="datetimeFigureOut">
               <a:rPr lang="en-US" smtClean="0"/>
-              <a:t>12/15/2022</a:t>
+              <a:t>12/16/2022</a:t>
             </a:fld>
             <a:endParaRPr lang="en-US"/>
           </a:p>
@@ -9134,7 +9134,7 @@
           <a:p>
             <a:fld id="{A1E45834-53BD-4C8F-B791-CD5378F4150E}" type="datetimeFigureOut">
               <a:rPr lang="en-US" smtClean="0"/>
-              <a:t>12/15/2022</a:t>
+              <a:t>12/16/2022</a:t>
             </a:fld>
             <a:endParaRPr lang="en-US"/>
           </a:p>
@@ -9556,7 +9556,7 @@
           <a:p>
             <a:fld id="{A1E45834-53BD-4C8F-B791-CD5378F4150E}" type="datetimeFigureOut">
               <a:rPr lang="en-US" smtClean="0"/>
-              <a:t>12/15/2022</a:t>
+              <a:t>12/16/2022</a:t>
             </a:fld>
             <a:endParaRPr lang="en-US"/>
           </a:p>
@@ -9701,7 +9701,7 @@
           <a:p>
             <a:fld id="{A1E45834-53BD-4C8F-B791-CD5378F4150E}" type="datetimeFigureOut">
               <a:rPr lang="en-US" smtClean="0"/>
-              <a:t>12/15/2022</a:t>
+              <a:t>12/16/2022</a:t>
             </a:fld>
             <a:endParaRPr lang="en-US"/>
           </a:p>
@@ -9814,7 +9814,7 @@
           <a:p>
             <a:fld id="{A1E45834-53BD-4C8F-B791-CD5378F4150E}" type="datetimeFigureOut">
               <a:rPr lang="en-US" smtClean="0"/>
-              <a:t>12/15/2022</a:t>
+              <a:t>12/16/2022</a:t>
             </a:fld>
             <a:endParaRPr lang="en-US"/>
           </a:p>
@@ -10128,7 +10128,7 @@
           <a:p>
             <a:fld id="{A1E45834-53BD-4C8F-B791-CD5378F4150E}" type="datetimeFigureOut">
               <a:rPr lang="en-US" smtClean="0"/>
-              <a:t>12/15/2022</a:t>
+              <a:t>12/16/2022</a:t>
             </a:fld>
             <a:endParaRPr lang="en-US"/>
           </a:p>
@@ -10422,7 +10422,7 @@
           <a:p>
             <a:fld id="{A1E45834-53BD-4C8F-B791-CD5378F4150E}" type="datetimeFigureOut">
               <a:rPr lang="en-US" smtClean="0"/>
-              <a:t>12/15/2022</a:t>
+              <a:t>12/16/2022</a:t>
             </a:fld>
             <a:endParaRPr lang="en-US"/>
           </a:p>
@@ -10661,7 +10661,7 @@
           <a:p>
             <a:fld id="{A1E45834-53BD-4C8F-B791-CD5378F4150E}" type="datetimeFigureOut">
               <a:rPr lang="en-US" smtClean="0"/>
-              <a:t>12/15/2022</a:t>
+              <a:t>12/16/2022</a:t>
             </a:fld>
             <a:endParaRPr lang="en-US"/>
           </a:p>
@@ -31438,21 +31438,8 @@
                   <a:srgbClr val="FFFFFF"/>
                 </a:solidFill>
               </a:rPr>
-              <a:t>Thank you for your </a:t>
-            </a:r>
-            <a:r>
-              <a:rPr lang="en-US" sz="4000" dirty="0" err="1">
-                <a:solidFill>
-                  <a:srgbClr val="FFFFFF"/>
-                </a:solidFill>
-              </a:rPr>
-              <a:t>attension</a:t>
-            </a:r>
-            <a:endParaRPr lang="en-US" sz="4000" dirty="0">
-              <a:solidFill>
-                <a:srgbClr val="FFFFFF"/>
-              </a:solidFill>
-            </a:endParaRPr>
+              <a:t>Thank you for your attention</a:t>
+            </a:r>
           </a:p>
         </p:txBody>
       </p:sp>
